--- a/Documents/TED_Talk_Prediction_ShijieLiu.pptx
+++ b/Documents/TED_Talk_Prediction_ShijieLiu.pptx
@@ -1267,7 +1267,7 @@
       <dgm:spPr/>
     </dgm:pt>
     <dgm:pt modelId="{4C6F3F46-6EBE-40E9-BEFB-130B3C3D4D12}" type="pres">
-      <dgm:prSet presAssocID="{FD530D9F-E31D-489E-80FF-6751B3ADEB7F}" presName="parentText" presStyleLbl="node1" presStyleIdx="1" presStyleCnt="2" custScaleY="14021" custLinFactNeighborX="76" custLinFactNeighborY="-13278">
+      <dgm:prSet presAssocID="{FD530D9F-E31D-489E-80FF-6751B3ADEB7F}" presName="parentText" presStyleLbl="node1" presStyleIdx="1" presStyleCnt="2" custScaleY="14021" custLinFactNeighborY="-15321">
         <dgm:presLayoutVars>
           <dgm:chMax val="0"/>
           <dgm:bulletEnabled val="1"/>
@@ -1276,7 +1276,7 @@
       <dgm:spPr/>
     </dgm:pt>
     <dgm:pt modelId="{12A602FB-0D66-4A8D-99B6-2ADD38B231A9}" type="pres">
-      <dgm:prSet presAssocID="{FD530D9F-E31D-489E-80FF-6751B3ADEB7F}" presName="childText" presStyleLbl="revTx" presStyleIdx="1" presStyleCnt="2" custScaleY="7171" custLinFactNeighborY="-52853">
+      <dgm:prSet presAssocID="{FD530D9F-E31D-489E-80FF-6751B3ADEB7F}" presName="childText" presStyleLbl="revTx" presStyleIdx="1" presStyleCnt="2" custScaleY="7171" custLinFactNeighborY="-48779">
         <dgm:presLayoutVars>
           <dgm:bulletEnabled val="1"/>
         </dgm:presLayoutVars>
@@ -1332,8 +1332,8 @@
       </dsp:nvSpPr>
       <dsp:spPr>
         <a:xfrm>
-          <a:off x="0" y="2439025"/>
-          <a:ext cx="7397224" cy="593263"/>
+          <a:off x="0" y="2273039"/>
+          <a:ext cx="7397224" cy="767752"/>
         </a:xfrm>
         <a:prstGeom prst="roundRect">
           <a:avLst/>
@@ -1399,8 +1399,8 @@
         </a:p>
       </dsp:txBody>
       <dsp:txXfrm>
-        <a:off x="28961" y="2467986"/>
-        <a:ext cx="7339302" cy="535341"/>
+        <a:off x="37479" y="2310518"/>
+        <a:ext cx="7322266" cy="692794"/>
       </dsp:txXfrm>
     </dsp:sp>
     <dsp:sp modelId="{88FD8664-E99C-459E-A1D6-626114A5F91D}">
@@ -1503,8 +1503,8 @@
       </dsp:nvSpPr>
       <dsp:spPr>
         <a:xfrm>
-          <a:off x="0" y="355800"/>
-          <a:ext cx="7397224" cy="535445"/>
+          <a:off x="0" y="28688"/>
+          <a:ext cx="7397224" cy="692929"/>
         </a:xfrm>
         <a:prstGeom prst="roundRect">
           <a:avLst/>
@@ -1570,8 +1570,8 @@
         </a:p>
       </dsp:txBody>
       <dsp:txXfrm>
-        <a:off x="26138" y="381938"/>
-        <a:ext cx="7344948" cy="483169"/>
+        <a:off x="33826" y="62514"/>
+        <a:ext cx="7329572" cy="625277"/>
       </dsp:txXfrm>
     </dsp:sp>
     <dsp:sp modelId="{12A602FB-0D66-4A8D-99B6-2ADD38B231A9}">
@@ -1581,7 +1581,7 @@
       </dsp:nvSpPr>
       <dsp:spPr>
         <a:xfrm>
-          <a:off x="0" y="1054099"/>
+          <a:off x="0" y="827780"/>
           <a:ext cx="7397224" cy="1178017"/>
         </a:xfrm>
         <a:prstGeom prst="rect">
@@ -1681,7 +1681,7 @@
         </a:p>
       </dsp:txBody>
       <dsp:txXfrm>
-        <a:off x="0" y="1054099"/>
+        <a:off x="0" y="827780"/>
         <a:ext cx="7397224" cy="1178017"/>
       </dsp:txXfrm>
     </dsp:sp>
@@ -2972,7 +2972,7 @@
           <a:p>
             <a:fld id="{21D3BC9C-6C58-464F-B94E-FD73C5FB016E}" type="datetimeFigureOut">
               <a:rPr lang="en-US" smtClean="0"/>
-              <a:t>12/11/2018</a:t>
+              <a:t>12/12/2018</a:t>
             </a:fld>
             <a:endParaRPr lang="en-US" dirty="0"/>
           </a:p>
@@ -3470,7 +3470,7 @@
           <a:p>
             <a:fld id="{40DA1498-92C7-4E4B-8045-C9195F453964}" type="datetimeFigureOut">
               <a:rPr lang="en-US" smtClean="0"/>
-              <a:t>12/11/2018</a:t>
+              <a:t>12/12/2018</a:t>
             </a:fld>
             <a:endParaRPr lang="en-US" dirty="0"/>
           </a:p>
@@ -3668,7 +3668,7 @@
           <a:p>
             <a:fld id="{40DA1498-92C7-4E4B-8045-C9195F453964}" type="datetimeFigureOut">
               <a:rPr lang="en-US" smtClean="0"/>
-              <a:t>12/11/2018</a:t>
+              <a:t>12/12/2018</a:t>
             </a:fld>
             <a:endParaRPr lang="en-US" dirty="0"/>
           </a:p>
@@ -3876,7 +3876,7 @@
           <a:p>
             <a:fld id="{40DA1498-92C7-4E4B-8045-C9195F453964}" type="datetimeFigureOut">
               <a:rPr lang="en-US" smtClean="0"/>
-              <a:t>12/11/2018</a:t>
+              <a:t>12/12/2018</a:t>
             </a:fld>
             <a:endParaRPr lang="en-US" dirty="0"/>
           </a:p>
@@ -4074,7 +4074,7 @@
           <a:p>
             <a:fld id="{40DA1498-92C7-4E4B-8045-C9195F453964}" type="datetimeFigureOut">
               <a:rPr lang="en-US" smtClean="0"/>
-              <a:t>12/11/2018</a:t>
+              <a:t>12/12/2018</a:t>
             </a:fld>
             <a:endParaRPr lang="en-US" dirty="0"/>
           </a:p>
@@ -4349,7 +4349,7 @@
           <a:p>
             <a:fld id="{40DA1498-92C7-4E4B-8045-C9195F453964}" type="datetimeFigureOut">
               <a:rPr lang="en-US" smtClean="0"/>
-              <a:t>12/11/2018</a:t>
+              <a:t>12/12/2018</a:t>
             </a:fld>
             <a:endParaRPr lang="en-US" dirty="0"/>
           </a:p>
@@ -4614,7 +4614,7 @@
           <a:p>
             <a:fld id="{40DA1498-92C7-4E4B-8045-C9195F453964}" type="datetimeFigureOut">
               <a:rPr lang="en-US" smtClean="0"/>
-              <a:t>12/11/2018</a:t>
+              <a:t>12/12/2018</a:t>
             </a:fld>
             <a:endParaRPr lang="en-US" dirty="0"/>
           </a:p>
@@ -5026,7 +5026,7 @@
           <a:p>
             <a:fld id="{40DA1498-92C7-4E4B-8045-C9195F453964}" type="datetimeFigureOut">
               <a:rPr lang="en-US" smtClean="0"/>
-              <a:t>12/11/2018</a:t>
+              <a:t>12/12/2018</a:t>
             </a:fld>
             <a:endParaRPr lang="en-US" dirty="0"/>
           </a:p>
@@ -5167,7 +5167,7 @@
           <a:p>
             <a:fld id="{40DA1498-92C7-4E4B-8045-C9195F453964}" type="datetimeFigureOut">
               <a:rPr lang="en-US" smtClean="0"/>
-              <a:t>12/11/2018</a:t>
+              <a:t>12/12/2018</a:t>
             </a:fld>
             <a:endParaRPr lang="en-US" dirty="0"/>
           </a:p>
@@ -5280,7 +5280,7 @@
           <a:p>
             <a:fld id="{40DA1498-92C7-4E4B-8045-C9195F453964}" type="datetimeFigureOut">
               <a:rPr lang="en-US" smtClean="0"/>
-              <a:t>12/11/2018</a:t>
+              <a:t>12/12/2018</a:t>
             </a:fld>
             <a:endParaRPr lang="en-US" dirty="0"/>
           </a:p>
@@ -5591,7 +5591,7 @@
           <a:p>
             <a:fld id="{40DA1498-92C7-4E4B-8045-C9195F453964}" type="datetimeFigureOut">
               <a:rPr lang="en-US" smtClean="0"/>
-              <a:t>12/11/2018</a:t>
+              <a:t>12/12/2018</a:t>
             </a:fld>
             <a:endParaRPr lang="en-US" dirty="0"/>
           </a:p>
@@ -5883,7 +5883,7 @@
           <a:p>
             <a:fld id="{40DA1498-92C7-4E4B-8045-C9195F453964}" type="datetimeFigureOut">
               <a:rPr lang="en-US" smtClean="0"/>
-              <a:t>12/11/2018</a:t>
+              <a:t>12/12/2018</a:t>
             </a:fld>
             <a:endParaRPr lang="en-US" dirty="0"/>
           </a:p>
@@ -6124,7 +6124,7 @@
           <a:p>
             <a:fld id="{40DA1498-92C7-4E4B-8045-C9195F453964}" type="datetimeFigureOut">
               <a:rPr lang="en-US" smtClean="0"/>
-              <a:t>12/11/2018</a:t>
+              <a:t>12/12/2018</a:t>
             </a:fld>
             <a:endParaRPr lang="en-US" dirty="0"/>
           </a:p>
@@ -19301,7 +19301,7 @@
           <p:nvPr>
             <p:extLst>
               <p:ext uri="{D42A27DB-BD31-4B8C-83A1-F6EECF244321}">
-                <p14:modId xmlns:p14="http://schemas.microsoft.com/office/powerpoint/2010/main" val="2706539886"/>
+                <p14:modId xmlns:p14="http://schemas.microsoft.com/office/powerpoint/2010/main" val="2867322242"/>
               </p:ext>
             </p:extLst>
           </p:nvPr>
